--- a/Presentation/AFL Dashboard.pptx
+++ b/Presentation/AFL Dashboard.pptx
@@ -474,6 +474,93 @@
     </a:lvl9pPr>
   </p:notesStyle>
 </p:notesMaster>
+</file>
+
+<file path=ppt/notesSlides/notesSlide1.xml><?xml version="1.0" encoding="utf-8"?>
+<p:notes xmlns:a="http://schemas.openxmlformats.org/drawingml/2006/main" xmlns:r="http://schemas.openxmlformats.org/officeDocument/2006/relationships" xmlns:p="http://schemas.openxmlformats.org/presentationml/2006/main">
+  <p:cSld>
+    <p:spTree>
+      <p:nvGrpSpPr>
+        <p:cNvPr id="1" name=""/>
+        <p:cNvGrpSpPr/>
+        <p:nvPr/>
+      </p:nvGrpSpPr>
+      <p:grpSpPr>
+        <a:xfrm>
+          <a:off x="0" y="0"/>
+          <a:ext cx="0" cy="0"/>
+          <a:chOff x="0" y="0"/>
+          <a:chExt cx="0" cy="0"/>
+        </a:xfrm>
+      </p:grpSpPr>
+      <p:sp>
+        <p:nvSpPr>
+          <p:cNvPr id="2" name="Slide Image Placeholder 1"/>
+          <p:cNvSpPr>
+            <a:spLocks noGrp="1" noRot="1" noChangeAspect="1"/>
+          </p:cNvSpPr>
+          <p:nvPr>
+            <p:ph type="sldImg"/>
+          </p:nvPr>
+        </p:nvSpPr>
+        <p:spPr/>
+      </p:sp>
+      <p:sp>
+        <p:nvSpPr>
+          <p:cNvPr id="3" name="Notes Placeholder 2"/>
+          <p:cNvSpPr>
+            <a:spLocks noGrp="1"/>
+          </p:cNvSpPr>
+          <p:nvPr>
+            <p:ph type="body" idx="1"/>
+          </p:nvPr>
+        </p:nvSpPr>
+        <p:spPr/>
+        <p:txBody>
+          <a:bodyPr/>
+          <a:lstStyle/>
+          <a:p>
+            <a:endParaRPr lang="en-US" dirty="0"/>
+          </a:p>
+          <a:p>
+            <a:endParaRPr lang="en-US" dirty="0"/>
+          </a:p>
+        </p:txBody>
+      </p:sp>
+      <p:sp>
+        <p:nvSpPr>
+          <p:cNvPr id="4" name="Slide Number Placeholder 3"/>
+          <p:cNvSpPr>
+            <a:spLocks noGrp="1"/>
+          </p:cNvSpPr>
+          <p:nvPr>
+            <p:ph type="sldNum" sz="quarter" idx="5"/>
+          </p:nvPr>
+        </p:nvSpPr>
+        <p:spPr/>
+        <p:txBody>
+          <a:bodyPr/>
+          <a:lstStyle/>
+          <a:p>
+            <a:fld id="{41EF1AC8-17CF-E441-A1AC-E5F31E914DFE}" type="slidenum">
+              <a:rPr lang="en-US" smtClean="0"/>
+              <a:t>7</a:t>
+            </a:fld>
+            <a:endParaRPr lang="en-US"/>
+          </a:p>
+        </p:txBody>
+      </p:sp>
+    </p:spTree>
+    <p:extLst>
+      <p:ext uri="{BB962C8B-B14F-4D97-AF65-F5344CB8AC3E}">
+        <p14:creationId xmlns:p14="http://schemas.microsoft.com/office/powerpoint/2010/main" val="674428311"/>
+      </p:ext>
+    </p:extLst>
+  </p:cSld>
+  <p:clrMapOvr>
+    <a:masterClrMapping/>
+  </p:clrMapOvr>
+</p:notes>
 </file>
 
 <file path=ppt/slideLayouts/slideLayout1.xml><?xml version="1.0" encoding="utf-8"?>
@@ -7828,6 +7915,36 @@
           </a:p>
         </p:txBody>
       </p:sp>
+      <p:pic>
+        <p:nvPicPr>
+          <p:cNvPr id="3" name="Picture 2" descr="A picture containing calendar&#10;&#10;Description automatically generated">
+            <a:extLst>
+              <a:ext uri="{FF2B5EF4-FFF2-40B4-BE49-F238E27FC236}">
+                <a16:creationId xmlns:a16="http://schemas.microsoft.com/office/drawing/2014/main" id="{2D5818B6-0811-A449-8B6B-A6326D6B63F2}"/>
+              </a:ext>
+            </a:extLst>
+          </p:cNvPr>
+          <p:cNvPicPr>
+            <a:picLocks noChangeAspect="1"/>
+          </p:cNvPicPr>
+          <p:nvPr/>
+        </p:nvPicPr>
+        <p:blipFill>
+          <a:blip r:embed="rId3"/>
+          <a:stretch>
+            <a:fillRect/>
+          </a:stretch>
+        </p:blipFill>
+        <p:spPr>
+          <a:xfrm>
+            <a:off x="3552978" y="635330"/>
+            <a:ext cx="8120268" cy="5587340"/>
+          </a:xfrm>
+          <a:prstGeom prst="rect">
+            <a:avLst/>
+          </a:prstGeom>
+        </p:spPr>
+      </p:pic>
     </p:spTree>
     <p:extLst>
       <p:ext uri="{BB962C8B-B14F-4D97-AF65-F5344CB8AC3E}">

--- a/Presentation/AFL Dashboard.pptx
+++ b/Presentation/AFL Dashboard.pptx
@@ -4537,10 +4537,10 @@
       </p:grpSpPr>
       <p:pic>
         <p:nvPicPr>
-          <p:cNvPr id="3" name="Picture 2" descr="Graphical user interface, application&#10;&#10;Description automatically generated">
-            <a:extLst>
-              <a:ext uri="{FF2B5EF4-FFF2-40B4-BE49-F238E27FC236}">
-                <a16:creationId xmlns:a16="http://schemas.microsoft.com/office/drawing/2014/main" id="{5F7D5E08-4BCF-6D4D-8984-1261A1BA078D}"/>
+          <p:cNvPr id="4" name="Picture 3" descr="Graphical user interface&#10;&#10;Description automatically generated">
+            <a:extLst>
+              <a:ext uri="{FF2B5EF4-FFF2-40B4-BE49-F238E27FC236}">
+                <a16:creationId xmlns:a16="http://schemas.microsoft.com/office/drawing/2014/main" id="{D579D12A-3459-F74C-A55C-38ECF8031871}"/>
               </a:ext>
             </a:extLst>
           </p:cNvPr>
@@ -4557,8 +4557,8 @@
         </p:blipFill>
         <p:spPr>
           <a:xfrm>
-            <a:off x="3339528" y="77664"/>
-            <a:ext cx="5512944" cy="6702672"/>
+            <a:off x="3994123" y="0"/>
+            <a:ext cx="4203753" cy="6858000"/>
           </a:xfrm>
           <a:prstGeom prst="rect">
             <a:avLst/>

--- a/Presentation/AFL Dashboard.pptx
+++ b/Presentation/AFL Dashboard.pptx
@@ -208,7 +208,7 @@
           <a:p>
             <a:fld id="{965DDE84-2A55-1146-BB0C-81BAA8274358}" type="datetimeFigureOut">
               <a:rPr lang="en-US" smtClean="0"/>
-              <a:t>12/12/21</a:t>
+              <a:t>12/13/2021</a:t>
             </a:fld>
             <a:endParaRPr lang="en-US"/>
           </a:p>
@@ -712,7 +712,7 @@
           <a:p>
             <a:fld id="{EBFEB55E-6781-6442-B848-7BD2AC5A3D9C}" type="datetimeFigureOut">
               <a:rPr lang="en-US" smtClean="0"/>
-              <a:t>12/12/21</a:t>
+              <a:t>12/13/2021</a:t>
             </a:fld>
             <a:endParaRPr lang="en-US"/>
           </a:p>
@@ -912,7 +912,7 @@
           <a:p>
             <a:fld id="{EBFEB55E-6781-6442-B848-7BD2AC5A3D9C}" type="datetimeFigureOut">
               <a:rPr lang="en-US" smtClean="0"/>
-              <a:t>12/12/21</a:t>
+              <a:t>12/13/2021</a:t>
             </a:fld>
             <a:endParaRPr lang="en-US"/>
           </a:p>
@@ -1122,7 +1122,7 @@
           <a:p>
             <a:fld id="{EBFEB55E-6781-6442-B848-7BD2AC5A3D9C}" type="datetimeFigureOut">
               <a:rPr lang="en-US" smtClean="0"/>
-              <a:t>12/12/21</a:t>
+              <a:t>12/13/2021</a:t>
             </a:fld>
             <a:endParaRPr lang="en-US"/>
           </a:p>
@@ -1322,7 +1322,7 @@
           <a:p>
             <a:fld id="{EBFEB55E-6781-6442-B848-7BD2AC5A3D9C}" type="datetimeFigureOut">
               <a:rPr lang="en-US" smtClean="0"/>
-              <a:t>12/12/21</a:t>
+              <a:t>12/13/2021</a:t>
             </a:fld>
             <a:endParaRPr lang="en-US"/>
           </a:p>
@@ -1598,7 +1598,7 @@
           <a:p>
             <a:fld id="{EBFEB55E-6781-6442-B848-7BD2AC5A3D9C}" type="datetimeFigureOut">
               <a:rPr lang="en-US" smtClean="0"/>
-              <a:t>12/12/21</a:t>
+              <a:t>12/13/2021</a:t>
             </a:fld>
             <a:endParaRPr lang="en-US"/>
           </a:p>
@@ -1866,7 +1866,7 @@
           <a:p>
             <a:fld id="{EBFEB55E-6781-6442-B848-7BD2AC5A3D9C}" type="datetimeFigureOut">
               <a:rPr lang="en-US" smtClean="0"/>
-              <a:t>12/12/21</a:t>
+              <a:t>12/13/2021</a:t>
             </a:fld>
             <a:endParaRPr lang="en-US"/>
           </a:p>
@@ -2281,7 +2281,7 @@
           <a:p>
             <a:fld id="{EBFEB55E-6781-6442-B848-7BD2AC5A3D9C}" type="datetimeFigureOut">
               <a:rPr lang="en-US" smtClean="0"/>
-              <a:t>12/12/21</a:t>
+              <a:t>12/13/2021</a:t>
             </a:fld>
             <a:endParaRPr lang="en-US"/>
           </a:p>
@@ -2423,7 +2423,7 @@
           <a:p>
             <a:fld id="{EBFEB55E-6781-6442-B848-7BD2AC5A3D9C}" type="datetimeFigureOut">
               <a:rPr lang="en-US" smtClean="0"/>
-              <a:t>12/12/21</a:t>
+              <a:t>12/13/2021</a:t>
             </a:fld>
             <a:endParaRPr lang="en-US"/>
           </a:p>
@@ -2536,7 +2536,7 @@
           <a:p>
             <a:fld id="{EBFEB55E-6781-6442-B848-7BD2AC5A3D9C}" type="datetimeFigureOut">
               <a:rPr lang="en-US" smtClean="0"/>
-              <a:t>12/12/21</a:t>
+              <a:t>12/13/2021</a:t>
             </a:fld>
             <a:endParaRPr lang="en-US"/>
           </a:p>
@@ -2849,7 +2849,7 @@
           <a:p>
             <a:fld id="{EBFEB55E-6781-6442-B848-7BD2AC5A3D9C}" type="datetimeFigureOut">
               <a:rPr lang="en-US" smtClean="0"/>
-              <a:t>12/12/21</a:t>
+              <a:t>12/13/2021</a:t>
             </a:fld>
             <a:endParaRPr lang="en-US"/>
           </a:p>
@@ -3138,7 +3138,7 @@
           <a:p>
             <a:fld id="{EBFEB55E-6781-6442-B848-7BD2AC5A3D9C}" type="datetimeFigureOut">
               <a:rPr lang="en-US" smtClean="0"/>
-              <a:t>12/12/21</a:t>
+              <a:t>12/13/2021</a:t>
             </a:fld>
             <a:endParaRPr lang="en-US"/>
           </a:p>
@@ -3381,7 +3381,7 @@
           <a:p>
             <a:fld id="{EBFEB55E-6781-6442-B848-7BD2AC5A3D9C}" type="datetimeFigureOut">
               <a:rPr lang="en-US" smtClean="0"/>
-              <a:t>12/12/21</a:t>
+              <a:t>12/13/2021</a:t>
             </a:fld>
             <a:endParaRPr lang="en-US"/>
           </a:p>
@@ -4537,10 +4537,10 @@
       </p:grpSpPr>
       <p:pic>
         <p:nvPicPr>
-          <p:cNvPr id="4" name="Picture 3" descr="Graphical user interface&#10;&#10;Description automatically generated">
-            <a:extLst>
-              <a:ext uri="{FF2B5EF4-FFF2-40B4-BE49-F238E27FC236}">
-                <a16:creationId xmlns:a16="http://schemas.microsoft.com/office/drawing/2014/main" id="{D579D12A-3459-F74C-A55C-38ECF8031871}"/>
+          <p:cNvPr id="6" name="Picture 5">
+            <a:extLst>
+              <a:ext uri="{FF2B5EF4-FFF2-40B4-BE49-F238E27FC236}">
+                <a16:creationId xmlns:a16="http://schemas.microsoft.com/office/drawing/2014/main" id="{ADEDA5CB-E371-49BA-A666-B2893D683847}"/>
               </a:ext>
             </a:extLst>
           </p:cNvPr>
@@ -4557,8 +4557,8 @@
         </p:blipFill>
         <p:spPr>
           <a:xfrm>
-            <a:off x="3994123" y="0"/>
-            <a:ext cx="4203753" cy="6858000"/>
+            <a:off x="3971365" y="251012"/>
+            <a:ext cx="4428564" cy="6409764"/>
           </a:xfrm>
           <a:prstGeom prst="rect">
             <a:avLst/>
@@ -8224,10 +8224,10 @@
       </p:sp>
       <p:pic>
         <p:nvPicPr>
-          <p:cNvPr id="7" name="Picture 6">
-            <a:extLst>
-              <a:ext uri="{FF2B5EF4-FFF2-40B4-BE49-F238E27FC236}">
-                <a16:creationId xmlns:a16="http://schemas.microsoft.com/office/drawing/2014/main" id="{5F268843-5F36-EA4C-9C18-6C3A2914B8A8}"/>
+          <p:cNvPr id="3" name="Picture 2">
+            <a:extLst>
+              <a:ext uri="{FF2B5EF4-FFF2-40B4-BE49-F238E27FC236}">
+                <a16:creationId xmlns:a16="http://schemas.microsoft.com/office/drawing/2014/main" id="{42EB0DBD-ED7E-4C78-9BE6-8110251C76AF}"/>
               </a:ext>
             </a:extLst>
           </p:cNvPr>
@@ -8236,15 +8236,16 @@
           </p:cNvPicPr>
           <p:nvPr/>
         </p:nvPicPr>
-        <p:blipFill rotWithShape="1">
+        <p:blipFill>
           <a:blip r:embed="rId2"/>
-          <a:srcRect t="-1" b="891"/>
-          <a:stretch/>
+          <a:stretch>
+            <a:fillRect/>
+          </a:stretch>
         </p:blipFill>
         <p:spPr>
           <a:xfrm>
-            <a:off x="4032514" y="770046"/>
-            <a:ext cx="7241877" cy="5046827"/>
+            <a:off x="4921624" y="439270"/>
+            <a:ext cx="6248400" cy="5432611"/>
           </a:xfrm>
           <a:prstGeom prst="rect">
             <a:avLst/>
@@ -8517,6 +8518,280 @@
               <a:latin typeface="Al Nile" pitchFamily="2" charset="-78"/>
               <a:cs typeface="Al Nile" pitchFamily="2" charset="-78"/>
             </a:endParaRPr>
+          </a:p>
+        </p:txBody>
+      </p:sp>
+      <p:pic>
+        <p:nvPicPr>
+          <p:cNvPr id="6" name="Picture 5">
+            <a:extLst>
+              <a:ext uri="{FF2B5EF4-FFF2-40B4-BE49-F238E27FC236}">
+                <a16:creationId xmlns:a16="http://schemas.microsoft.com/office/drawing/2014/main" id="{A47B970B-696F-4923-817B-1FBE5D04A2B9}"/>
+              </a:ext>
+            </a:extLst>
+          </p:cNvPr>
+          <p:cNvPicPr>
+            <a:picLocks noChangeAspect="1"/>
+          </p:cNvPicPr>
+          <p:nvPr/>
+        </p:nvPicPr>
+        <p:blipFill rotWithShape="1">
+          <a:blip r:embed="rId2"/>
+          <a:srcRect r="28273"/>
+          <a:stretch/>
+        </p:blipFill>
+        <p:spPr>
+          <a:xfrm>
+            <a:off x="4032514" y="295836"/>
+            <a:ext cx="7406451" cy="2383477"/>
+          </a:xfrm>
+          <a:prstGeom prst="rect">
+            <a:avLst/>
+          </a:prstGeom>
+        </p:spPr>
+      </p:pic>
+      <p:sp>
+        <p:nvSpPr>
+          <p:cNvPr id="2" name="TextBox 1">
+            <a:extLst>
+              <a:ext uri="{FF2B5EF4-FFF2-40B4-BE49-F238E27FC236}">
+                <a16:creationId xmlns:a16="http://schemas.microsoft.com/office/drawing/2014/main" id="{3DBA11F4-3552-4640-A94C-F7E0DA799684}"/>
+              </a:ext>
+            </a:extLst>
+          </p:cNvPr>
+          <p:cNvSpPr txBox="1"/>
+          <p:nvPr/>
+        </p:nvSpPr>
+        <p:spPr>
+          <a:xfrm>
+            <a:off x="3786695" y="2971800"/>
+            <a:ext cx="8405305" cy="3970318"/>
+          </a:xfrm>
+          <a:prstGeom prst="rect">
+            <a:avLst/>
+          </a:prstGeom>
+          <a:noFill/>
+        </p:spPr>
+        <p:txBody>
+          <a:bodyPr wrap="square" rtlCol="0">
+            <a:spAutoFit/>
+          </a:bodyPr>
+          <a:lstStyle/>
+          <a:p>
+            <a:r>
+              <a:rPr lang="en-GB" sz="1800" b="1" i="0" dirty="0">
+                <a:solidFill>
+                  <a:srgbClr val="3D3D3D"/>
+                </a:solidFill>
+                <a:effectLst/>
+                <a:latin typeface="Roboto Condensed" panose="020B0604020202020204" pitchFamily="2" charset="0"/>
+              </a:rPr>
+              <a:t>Behind:</a:t>
+            </a:r>
+            <a:r>
+              <a:rPr lang="en-GB" sz="1800" b="0" i="0" dirty="0">
+                <a:solidFill>
+                  <a:srgbClr val="3D3D3D"/>
+                </a:solidFill>
+                <a:effectLst/>
+                <a:latin typeface="Roboto Condensed" panose="020B0604020202020204" pitchFamily="2" charset="0"/>
+              </a:rPr>
+              <a:t> A minor score, as judged by the goal umpire. Behinds are worth one point to a team’s total score.</a:t>
+            </a:r>
+          </a:p>
+          <a:p>
+            <a:r>
+              <a:rPr lang="en-GB" sz="1800" b="1" i="0" dirty="0">
+                <a:solidFill>
+                  <a:srgbClr val="3D3D3D"/>
+                </a:solidFill>
+                <a:effectLst/>
+                <a:latin typeface="Roboto Condensed" panose="02000000000000000000" pitchFamily="2" charset="0"/>
+              </a:rPr>
+              <a:t>Disposal:</a:t>
+            </a:r>
+            <a:r>
+              <a:rPr lang="en-GB" sz="1800" b="0" i="0" dirty="0">
+                <a:solidFill>
+                  <a:srgbClr val="3D3D3D"/>
+                </a:solidFill>
+                <a:effectLst/>
+                <a:latin typeface="Roboto Condensed" panose="02000000000000000000" pitchFamily="2" charset="0"/>
+              </a:rPr>
+              <a:t> Legally getting rid of the ball, via a handball or kick.</a:t>
+            </a:r>
+            <a:endParaRPr lang="en-GB" sz="1800" dirty="0">
+              <a:solidFill>
+                <a:srgbClr val="3D3D3D"/>
+              </a:solidFill>
+              <a:latin typeface="Roboto Condensed" panose="020B0604020202020204" pitchFamily="2" charset="0"/>
+            </a:endParaRPr>
+          </a:p>
+          <a:p>
+            <a:r>
+              <a:rPr lang="en-GB" sz="1800" b="1" i="0" dirty="0">
+                <a:solidFill>
+                  <a:srgbClr val="3D3D3D"/>
+                </a:solidFill>
+                <a:effectLst/>
+                <a:latin typeface="Roboto Condensed" panose="02000000000000000000" pitchFamily="2" charset="0"/>
+              </a:rPr>
+              <a:t>Goal:</a:t>
+            </a:r>
+            <a:r>
+              <a:rPr lang="en-GB" sz="1800" b="0" i="0" dirty="0">
+                <a:solidFill>
+                  <a:srgbClr val="3D3D3D"/>
+                </a:solidFill>
+                <a:effectLst/>
+                <a:latin typeface="Roboto Condensed" panose="02000000000000000000" pitchFamily="2" charset="0"/>
+              </a:rPr>
+              <a:t> A major score, as judged by the goal umpire. Worth six points to a team’s total score</a:t>
+            </a:r>
+            <a:r>
+              <a:rPr lang="en-GB" sz="1800" dirty="0">
+                <a:solidFill>
+                  <a:srgbClr val="3D3D3D"/>
+                </a:solidFill>
+                <a:latin typeface="Roboto Condensed" panose="020B0604020202020204" pitchFamily="2" charset="0"/>
+              </a:rPr>
+              <a:t>. </a:t>
+            </a:r>
+          </a:p>
+          <a:p>
+            <a:r>
+              <a:rPr lang="en-GB" sz="1800" b="1" i="0" dirty="0" err="1">
+                <a:solidFill>
+                  <a:srgbClr val="3D3D3D"/>
+                </a:solidFill>
+                <a:effectLst/>
+                <a:latin typeface="Roboto Condensed" panose="02000000000000000000" pitchFamily="2" charset="0"/>
+              </a:rPr>
+              <a:t>Hitout</a:t>
+            </a:r>
+            <a:r>
+              <a:rPr lang="en-GB" sz="1800" b="1" i="0" dirty="0">
+                <a:solidFill>
+                  <a:srgbClr val="3D3D3D"/>
+                </a:solidFill>
+                <a:effectLst/>
+                <a:latin typeface="Roboto Condensed" panose="02000000000000000000" pitchFamily="2" charset="0"/>
+              </a:rPr>
+              <a:t>:</a:t>
+            </a:r>
+            <a:r>
+              <a:rPr lang="en-GB" sz="1800" b="0" i="0" dirty="0">
+                <a:solidFill>
+                  <a:srgbClr val="3D3D3D"/>
+                </a:solidFill>
+                <a:effectLst/>
+                <a:latin typeface="Roboto Condensed" panose="02000000000000000000" pitchFamily="2" charset="0"/>
+              </a:rPr>
+              <a:t> Knocking the ball out of a ruck contest following a stoppage with clear control, regardless of which side wins the following contest at ground level.</a:t>
+            </a:r>
+          </a:p>
+          <a:p>
+            <a:r>
+              <a:rPr lang="en-GB" sz="1800" b="1" i="0" dirty="0">
+                <a:solidFill>
+                  <a:srgbClr val="3D3D3D"/>
+                </a:solidFill>
+                <a:effectLst/>
+                <a:latin typeface="Roboto Condensed" panose="02000000000000000000" pitchFamily="2" charset="0"/>
+              </a:rPr>
+              <a:t>Kick:</a:t>
+            </a:r>
+            <a:r>
+              <a:rPr lang="en-GB" sz="1800" b="0" i="0" dirty="0">
+                <a:solidFill>
+                  <a:srgbClr val="3D3D3D"/>
+                </a:solidFill>
+                <a:effectLst/>
+                <a:latin typeface="Roboto Condensed" panose="02000000000000000000" pitchFamily="2" charset="0"/>
+              </a:rPr>
+              <a:t> Disposing of the ball by foot. Including kicks off the ground.</a:t>
+            </a:r>
+          </a:p>
+          <a:p>
+            <a:r>
+              <a:rPr lang="en-GB" sz="1800" b="1" i="0" dirty="0">
+                <a:solidFill>
+                  <a:srgbClr val="3D3D3D"/>
+                </a:solidFill>
+                <a:effectLst/>
+                <a:latin typeface="Roboto Condensed" panose="02000000000000000000" pitchFamily="2" charset="0"/>
+              </a:rPr>
+              <a:t>Handball:</a:t>
+            </a:r>
+            <a:r>
+              <a:rPr lang="en-GB" sz="1800" b="0" i="0" dirty="0">
+                <a:solidFill>
+                  <a:srgbClr val="3D3D3D"/>
+                </a:solidFill>
+                <a:effectLst/>
+                <a:latin typeface="Roboto Condensed" panose="02000000000000000000" pitchFamily="2" charset="0"/>
+              </a:rPr>
+              <a:t> Disposing of the ball by hand.</a:t>
+            </a:r>
+          </a:p>
+          <a:p>
+            <a:r>
+              <a:rPr lang="en-GB" sz="1800" b="1" i="0" dirty="0">
+                <a:solidFill>
+                  <a:srgbClr val="3D3D3D"/>
+                </a:solidFill>
+                <a:effectLst/>
+                <a:latin typeface="Roboto Condensed" panose="02000000000000000000" pitchFamily="2" charset="0"/>
+              </a:rPr>
+              <a:t>Mark:</a:t>
+            </a:r>
+            <a:r>
+              <a:rPr lang="en-GB" sz="1800" b="0" i="0" dirty="0">
+                <a:solidFill>
+                  <a:srgbClr val="3D3D3D"/>
+                </a:solidFill>
+                <a:effectLst/>
+                <a:latin typeface="Roboto Condensed" panose="02000000000000000000" pitchFamily="2" charset="0"/>
+              </a:rPr>
+              <a:t> When a player catches (is deemed to have controlled the ball for sufficient time) a kicked ball that has travelled more than 15 metres without anyone else touching it or the ball hitting the ground.</a:t>
+            </a:r>
+            <a:endParaRPr lang="en-GB" sz="1800" dirty="0">
+              <a:solidFill>
+                <a:srgbClr val="3D3D3D"/>
+              </a:solidFill>
+              <a:latin typeface="Roboto Condensed" panose="02000000000000000000" pitchFamily="2" charset="0"/>
+            </a:endParaRPr>
+          </a:p>
+          <a:p>
+            <a:r>
+              <a:rPr lang="en-GB" sz="1800" b="1" i="0" dirty="0">
+                <a:solidFill>
+                  <a:srgbClr val="3D3D3D"/>
+                </a:solidFill>
+                <a:effectLst/>
+                <a:latin typeface="Roboto Condensed" panose="02000000000000000000" pitchFamily="2" charset="0"/>
+              </a:rPr>
+              <a:t>Tackle:</a:t>
+            </a:r>
+            <a:r>
+              <a:rPr lang="en-GB" sz="1800" b="0" i="0" dirty="0">
+                <a:solidFill>
+                  <a:srgbClr val="3D3D3D"/>
+                </a:solidFill>
+                <a:effectLst/>
+                <a:latin typeface="Roboto Condensed" panose="02000000000000000000" pitchFamily="2" charset="0"/>
+              </a:rPr>
+              <a:t> Using physical contact to prevent an opponent in possession of the ball from getting an effective disposal.</a:t>
+            </a:r>
+            <a:endParaRPr lang="en-GB" sz="1800" dirty="0">
+              <a:solidFill>
+                <a:srgbClr val="3D3D3D"/>
+              </a:solidFill>
+              <a:latin typeface="Roboto Condensed" panose="02000000000000000000" pitchFamily="2" charset="0"/>
+            </a:endParaRPr>
+          </a:p>
+          <a:p>
+            <a:endParaRPr lang="en-US" dirty="0"/>
           </a:p>
         </p:txBody>
       </p:sp>

--- a/Presentation/AFL Dashboard.pptx
+++ b/Presentation/AFL Dashboard.pptx
@@ -11,13 +11,13 @@
     <p:sldId id="256" r:id="rId2"/>
     <p:sldId id="271" r:id="rId3"/>
     <p:sldId id="257" r:id="rId4"/>
-    <p:sldId id="259" r:id="rId5"/>
-    <p:sldId id="260" r:id="rId6"/>
+    <p:sldId id="260" r:id="rId5"/>
+    <p:sldId id="259" r:id="rId6"/>
     <p:sldId id="261" r:id="rId7"/>
     <p:sldId id="269" r:id="rId8"/>
     <p:sldId id="268" r:id="rId9"/>
-    <p:sldId id="270" r:id="rId10"/>
-    <p:sldId id="265" r:id="rId11"/>
+    <p:sldId id="265" r:id="rId10"/>
+    <p:sldId id="270" r:id="rId11"/>
     <p:sldId id="258" r:id="rId12"/>
     <p:sldId id="266" r:id="rId13"/>
   </p:sldIdLst>
@@ -4393,54 +4393,22 @@
         </p:spPr>
         <p:txBody>
           <a:bodyPr vert="horz" lIns="91440" tIns="45720" rIns="91440" bIns="45720" rtlCol="0" anchor="ctr">
-            <a:normAutofit/>
+            <a:normAutofit fontScale="90000"/>
           </a:bodyPr>
           <a:lstStyle/>
           <a:p>
             <a:pPr algn="ctr"/>
             <a:r>
-              <a:rPr lang="en-US" sz="2600" kern="1200">
+              <a:rPr lang="en-AU" sz="2800" b="1" dirty="0">
                 <a:solidFill>
-                  <a:srgbClr val="FFFFFF"/>
+                  <a:schemeClr val="bg1"/>
                 </a:solidFill>
-                <a:latin typeface="+mj-lt"/>
-                <a:ea typeface="+mj-ea"/>
-                <a:cs typeface="+mj-cs"/>
               </a:rPr>
-              <a:t>Diverged Stacked Bar Chart</a:t>
-            </a:r>
-          </a:p>
-        </p:txBody>
-      </p:sp>
-      <p:pic>
-        <p:nvPicPr>
-          <p:cNvPr id="3" name="Picture 2" descr="Chart, bar chart&#10;&#10;Description automatically generated">
-            <a:extLst>
-              <a:ext uri="{FF2B5EF4-FFF2-40B4-BE49-F238E27FC236}">
-                <a16:creationId xmlns:a16="http://schemas.microsoft.com/office/drawing/2014/main" id="{8B65B444-7502-F84C-B31A-80B82AD6C3E4}"/>
-              </a:ext>
-            </a:extLst>
-          </p:cNvPr>
-          <p:cNvPicPr>
-            <a:picLocks noChangeAspect="1"/>
-          </p:cNvPicPr>
-          <p:nvPr/>
-        </p:nvPicPr>
-        <p:blipFill rotWithShape="1">
-          <a:blip r:embed="rId2"/>
-          <a:srcRect t="1" b="1393"/>
-          <a:stretch/>
-        </p:blipFill>
-        <p:spPr>
-          <a:xfrm>
-            <a:off x="3786695" y="798054"/>
-            <a:ext cx="7765225" cy="5398209"/>
-          </a:xfrm>
-          <a:prstGeom prst="rect">
-            <a:avLst/>
-          </a:prstGeom>
-        </p:spPr>
-      </p:pic>
+              <a:t>Detailed Comparison of Team Performance</a:t>
+            </a:r>
+          </a:p>
+        </p:txBody>
+      </p:sp>
       <p:sp>
         <p:nvSpPr>
           <p:cNvPr id="20" name="Title 1">
@@ -4495,10 +4463,284 @@
           </a:p>
         </p:txBody>
       </p:sp>
+      <p:pic>
+        <p:nvPicPr>
+          <p:cNvPr id="6" name="Picture 5">
+            <a:extLst>
+              <a:ext uri="{FF2B5EF4-FFF2-40B4-BE49-F238E27FC236}">
+                <a16:creationId xmlns:a16="http://schemas.microsoft.com/office/drawing/2014/main" id="{A47B970B-696F-4923-817B-1FBE5D04A2B9}"/>
+              </a:ext>
+            </a:extLst>
+          </p:cNvPr>
+          <p:cNvPicPr>
+            <a:picLocks noChangeAspect="1"/>
+          </p:cNvPicPr>
+          <p:nvPr/>
+        </p:nvPicPr>
+        <p:blipFill rotWithShape="1">
+          <a:blip r:embed="rId2"/>
+          <a:srcRect r="28273"/>
+          <a:stretch/>
+        </p:blipFill>
+        <p:spPr>
+          <a:xfrm>
+            <a:off x="4032514" y="295836"/>
+            <a:ext cx="7406451" cy="2383477"/>
+          </a:xfrm>
+          <a:prstGeom prst="rect">
+            <a:avLst/>
+          </a:prstGeom>
+        </p:spPr>
+      </p:pic>
+      <p:sp>
+        <p:nvSpPr>
+          <p:cNvPr id="2" name="TextBox 1">
+            <a:extLst>
+              <a:ext uri="{FF2B5EF4-FFF2-40B4-BE49-F238E27FC236}">
+                <a16:creationId xmlns:a16="http://schemas.microsoft.com/office/drawing/2014/main" id="{3DBA11F4-3552-4640-A94C-F7E0DA799684}"/>
+              </a:ext>
+            </a:extLst>
+          </p:cNvPr>
+          <p:cNvSpPr txBox="1"/>
+          <p:nvPr/>
+        </p:nvSpPr>
+        <p:spPr>
+          <a:xfrm>
+            <a:off x="3786695" y="2971800"/>
+            <a:ext cx="8405305" cy="3970318"/>
+          </a:xfrm>
+          <a:prstGeom prst="rect">
+            <a:avLst/>
+          </a:prstGeom>
+          <a:noFill/>
+        </p:spPr>
+        <p:txBody>
+          <a:bodyPr wrap="square" rtlCol="0">
+            <a:spAutoFit/>
+          </a:bodyPr>
+          <a:lstStyle/>
+          <a:p>
+            <a:r>
+              <a:rPr lang="en-GB" sz="1800" b="1" i="0" dirty="0">
+                <a:solidFill>
+                  <a:srgbClr val="3D3D3D"/>
+                </a:solidFill>
+                <a:effectLst/>
+                <a:latin typeface="Roboto Condensed" panose="020B0604020202020204" pitchFamily="2" charset="0"/>
+              </a:rPr>
+              <a:t>Behind:</a:t>
+            </a:r>
+            <a:r>
+              <a:rPr lang="en-GB" sz="1800" b="0" i="0" dirty="0">
+                <a:solidFill>
+                  <a:srgbClr val="3D3D3D"/>
+                </a:solidFill>
+                <a:effectLst/>
+                <a:latin typeface="Roboto Condensed" panose="020B0604020202020204" pitchFamily="2" charset="0"/>
+              </a:rPr>
+              <a:t> A minor score, as judged by the goal umpire. Behinds are worth one point to a team’s total score.</a:t>
+            </a:r>
+          </a:p>
+          <a:p>
+            <a:r>
+              <a:rPr lang="en-GB" sz="1800" b="1" i="0" dirty="0">
+                <a:solidFill>
+                  <a:srgbClr val="3D3D3D"/>
+                </a:solidFill>
+                <a:effectLst/>
+                <a:latin typeface="Roboto Condensed" panose="02000000000000000000" pitchFamily="2" charset="0"/>
+              </a:rPr>
+              <a:t>Disposal:</a:t>
+            </a:r>
+            <a:r>
+              <a:rPr lang="en-GB" sz="1800" b="0" i="0" dirty="0">
+                <a:solidFill>
+                  <a:srgbClr val="3D3D3D"/>
+                </a:solidFill>
+                <a:effectLst/>
+                <a:latin typeface="Roboto Condensed" panose="02000000000000000000" pitchFamily="2" charset="0"/>
+              </a:rPr>
+              <a:t> Legally getting rid of the ball, via a handball or kick.</a:t>
+            </a:r>
+            <a:endParaRPr lang="en-GB" sz="1800" dirty="0">
+              <a:solidFill>
+                <a:srgbClr val="3D3D3D"/>
+              </a:solidFill>
+              <a:latin typeface="Roboto Condensed" panose="020B0604020202020204" pitchFamily="2" charset="0"/>
+            </a:endParaRPr>
+          </a:p>
+          <a:p>
+            <a:r>
+              <a:rPr lang="en-GB" sz="1800" b="1" i="0" dirty="0">
+                <a:solidFill>
+                  <a:srgbClr val="3D3D3D"/>
+                </a:solidFill>
+                <a:effectLst/>
+                <a:latin typeface="Roboto Condensed" panose="02000000000000000000" pitchFamily="2" charset="0"/>
+              </a:rPr>
+              <a:t>Goal:</a:t>
+            </a:r>
+            <a:r>
+              <a:rPr lang="en-GB" sz="1800" b="0" i="0" dirty="0">
+                <a:solidFill>
+                  <a:srgbClr val="3D3D3D"/>
+                </a:solidFill>
+                <a:effectLst/>
+                <a:latin typeface="Roboto Condensed" panose="02000000000000000000" pitchFamily="2" charset="0"/>
+              </a:rPr>
+              <a:t> A major score, as judged by the goal umpire. Worth six points to a team’s total score</a:t>
+            </a:r>
+            <a:r>
+              <a:rPr lang="en-GB" sz="1800" dirty="0">
+                <a:solidFill>
+                  <a:srgbClr val="3D3D3D"/>
+                </a:solidFill>
+                <a:latin typeface="Roboto Condensed" panose="020B0604020202020204" pitchFamily="2" charset="0"/>
+              </a:rPr>
+              <a:t>. </a:t>
+            </a:r>
+          </a:p>
+          <a:p>
+            <a:r>
+              <a:rPr lang="en-GB" sz="1800" b="1" i="0" dirty="0" err="1">
+                <a:solidFill>
+                  <a:srgbClr val="3D3D3D"/>
+                </a:solidFill>
+                <a:effectLst/>
+                <a:latin typeface="Roboto Condensed" panose="02000000000000000000" pitchFamily="2" charset="0"/>
+              </a:rPr>
+              <a:t>Hitout</a:t>
+            </a:r>
+            <a:r>
+              <a:rPr lang="en-GB" sz="1800" b="1" i="0" dirty="0">
+                <a:solidFill>
+                  <a:srgbClr val="3D3D3D"/>
+                </a:solidFill>
+                <a:effectLst/>
+                <a:latin typeface="Roboto Condensed" panose="02000000000000000000" pitchFamily="2" charset="0"/>
+              </a:rPr>
+              <a:t>:</a:t>
+            </a:r>
+            <a:r>
+              <a:rPr lang="en-GB" sz="1800" b="0" i="0" dirty="0">
+                <a:solidFill>
+                  <a:srgbClr val="3D3D3D"/>
+                </a:solidFill>
+                <a:effectLst/>
+                <a:latin typeface="Roboto Condensed" panose="02000000000000000000" pitchFamily="2" charset="0"/>
+              </a:rPr>
+              <a:t> Knocking the ball out of a ruck contest following a stoppage with clear control, regardless of which side wins the following contest at ground level.</a:t>
+            </a:r>
+          </a:p>
+          <a:p>
+            <a:r>
+              <a:rPr lang="en-GB" sz="1800" b="1" i="0" dirty="0">
+                <a:solidFill>
+                  <a:srgbClr val="3D3D3D"/>
+                </a:solidFill>
+                <a:effectLst/>
+                <a:latin typeface="Roboto Condensed" panose="02000000000000000000" pitchFamily="2" charset="0"/>
+              </a:rPr>
+              <a:t>Kick:</a:t>
+            </a:r>
+            <a:r>
+              <a:rPr lang="en-GB" sz="1800" b="0" i="0" dirty="0">
+                <a:solidFill>
+                  <a:srgbClr val="3D3D3D"/>
+                </a:solidFill>
+                <a:effectLst/>
+                <a:latin typeface="Roboto Condensed" panose="02000000000000000000" pitchFamily="2" charset="0"/>
+              </a:rPr>
+              <a:t> Disposing of the ball by foot. Including kicks off the ground.</a:t>
+            </a:r>
+          </a:p>
+          <a:p>
+            <a:r>
+              <a:rPr lang="en-GB" sz="1800" b="1" i="0" dirty="0">
+                <a:solidFill>
+                  <a:srgbClr val="3D3D3D"/>
+                </a:solidFill>
+                <a:effectLst/>
+                <a:latin typeface="Roboto Condensed" panose="02000000000000000000" pitchFamily="2" charset="0"/>
+              </a:rPr>
+              <a:t>Handball:</a:t>
+            </a:r>
+            <a:r>
+              <a:rPr lang="en-GB" sz="1800" b="0" i="0" dirty="0">
+                <a:solidFill>
+                  <a:srgbClr val="3D3D3D"/>
+                </a:solidFill>
+                <a:effectLst/>
+                <a:latin typeface="Roboto Condensed" panose="02000000000000000000" pitchFamily="2" charset="0"/>
+              </a:rPr>
+              <a:t> Disposing of the ball by hand.</a:t>
+            </a:r>
+          </a:p>
+          <a:p>
+            <a:r>
+              <a:rPr lang="en-GB" sz="1800" b="1" i="0" dirty="0">
+                <a:solidFill>
+                  <a:srgbClr val="3D3D3D"/>
+                </a:solidFill>
+                <a:effectLst/>
+                <a:latin typeface="Roboto Condensed" panose="02000000000000000000" pitchFamily="2" charset="0"/>
+              </a:rPr>
+              <a:t>Mark:</a:t>
+            </a:r>
+            <a:r>
+              <a:rPr lang="en-GB" sz="1800" b="0" i="0" dirty="0">
+                <a:solidFill>
+                  <a:srgbClr val="3D3D3D"/>
+                </a:solidFill>
+                <a:effectLst/>
+                <a:latin typeface="Roboto Condensed" panose="02000000000000000000" pitchFamily="2" charset="0"/>
+              </a:rPr>
+              <a:t> When a player catches (is deemed to have controlled the ball for sufficient time) a kicked ball that has travelled more than 15 metres without anyone else touching it or the ball hitting the ground.</a:t>
+            </a:r>
+            <a:endParaRPr lang="en-GB" sz="1800" dirty="0">
+              <a:solidFill>
+                <a:srgbClr val="3D3D3D"/>
+              </a:solidFill>
+              <a:latin typeface="Roboto Condensed" panose="02000000000000000000" pitchFamily="2" charset="0"/>
+            </a:endParaRPr>
+          </a:p>
+          <a:p>
+            <a:r>
+              <a:rPr lang="en-GB" sz="1800" b="1" i="0" dirty="0">
+                <a:solidFill>
+                  <a:srgbClr val="3D3D3D"/>
+                </a:solidFill>
+                <a:effectLst/>
+                <a:latin typeface="Roboto Condensed" panose="02000000000000000000" pitchFamily="2" charset="0"/>
+              </a:rPr>
+              <a:t>Tackle:</a:t>
+            </a:r>
+            <a:r>
+              <a:rPr lang="en-GB" sz="1800" b="0" i="0" dirty="0">
+                <a:solidFill>
+                  <a:srgbClr val="3D3D3D"/>
+                </a:solidFill>
+                <a:effectLst/>
+                <a:latin typeface="Roboto Condensed" panose="02000000000000000000" pitchFamily="2" charset="0"/>
+              </a:rPr>
+              <a:t> Using physical contact to prevent an opponent in possession of the ball from getting an effective disposal.</a:t>
+            </a:r>
+            <a:endParaRPr lang="en-GB" sz="1800" dirty="0">
+              <a:solidFill>
+                <a:srgbClr val="3D3D3D"/>
+              </a:solidFill>
+              <a:latin typeface="Roboto Condensed" panose="02000000000000000000" pitchFamily="2" charset="0"/>
+            </a:endParaRPr>
+          </a:p>
+          <a:p>
+            <a:endParaRPr lang="en-US" dirty="0"/>
+          </a:p>
+        </p:txBody>
+      </p:sp>
     </p:spTree>
     <p:extLst>
       <p:ext uri="{BB962C8B-B14F-4D97-AF65-F5344CB8AC3E}">
-        <p14:creationId xmlns:p14="http://schemas.microsoft.com/office/powerpoint/2010/main" val="3686280655"/>
+        <p14:creationId xmlns:p14="http://schemas.microsoft.com/office/powerpoint/2010/main" val="4090405124"/>
       </p:ext>
     </p:extLst>
   </p:cSld>
@@ -5893,10 +6135,10 @@
       </p:grpSpPr>
       <p:pic>
         <p:nvPicPr>
-          <p:cNvPr id="5122" name="Picture 2" descr="AFL 2021 crowds, tickets: AFL faces host of challenges to complete season |  Herald Sun">
-            <a:extLst>
-              <a:ext uri="{FF2B5EF4-FFF2-40B4-BE49-F238E27FC236}">
-                <a16:creationId xmlns:a16="http://schemas.microsoft.com/office/drawing/2014/main" id="{A0DB2895-763C-AA4A-B799-67D20591C7B4}"/>
+          <p:cNvPr id="7174" name="Picture 6" descr="Crowds to return to Melbourne stadiums in time for AFL games, A-League  grand final - ABC News">
+            <a:extLst>
+              <a:ext uri="{FF2B5EF4-FFF2-40B4-BE49-F238E27FC236}">
+                <a16:creationId xmlns:a16="http://schemas.microsoft.com/office/drawing/2014/main" id="{349DD147-EFDB-D544-B290-DA35F5F86D9A}"/>
               </a:ext>
             </a:extLst>
           </p:cNvPr>
@@ -5921,7 +6163,7 @@
         <p:spPr bwMode="auto">
           <a:xfrm>
             <a:off x="0" y="0"/>
-            <a:ext cx="12192000" cy="6858000"/>
+            <a:ext cx="12189705" cy="6858477"/>
           </a:xfrm>
           <a:prstGeom prst="rect">
             <a:avLst/>
@@ -6260,7 +6502,7 @@
               <a:rPr lang="en-AU" dirty="0">
                 <a:latin typeface="Britannic Bold" panose="020B0903060703020204" pitchFamily="34" charset="77"/>
               </a:rPr>
-              <a:t>Coding Approach</a:t>
+              <a:t>Databasing</a:t>
             </a:r>
             <a:endParaRPr lang="en-US" dirty="0">
               <a:latin typeface="Britannic Bold" panose="020B0903060703020204" pitchFamily="34" charset="77"/>
@@ -6284,8 +6526,8 @@
         </p:nvSpPr>
         <p:spPr>
           <a:xfrm>
-            <a:off x="141043" y="1376443"/>
-            <a:ext cx="6234303" cy="3338431"/>
+            <a:off x="141042" y="1626279"/>
+            <a:ext cx="6234303" cy="1740496"/>
           </a:xfrm>
           <a:prstGeom prst="rect">
             <a:avLst/>
@@ -6320,7 +6562,7 @@
                 <a:latin typeface="Al Nile" pitchFamily="2" charset="-78"/>
                 <a:cs typeface="Al Nile" pitchFamily="2" charset="-78"/>
               </a:rPr>
-              <a:t>Using Jupyter Notebook and pandas, </a:t>
+              <a:t>We created out table schemas via </a:t>
             </a:r>
           </a:p>
           <a:p>
@@ -6329,45 +6571,15 @@
                 <a:latin typeface="Al Nile" pitchFamily="2" charset="-78"/>
                 <a:cs typeface="Al Nile" pitchFamily="2" charset="-78"/>
               </a:rPr>
-              <a:t>we cleaned and transformed the data according to our needs</a:t>
-            </a:r>
-            <a:r>
-              <a:rPr lang="en-AU" sz="2800" dirty="0"/>
-              <a:t>.</a:t>
-            </a:r>
+              <a:t>Quick DBD and created our PostgreSQL relational database.</a:t>
+            </a:r>
+            <a:endParaRPr lang="en-AU" sz="2800" dirty="0"/>
           </a:p>
           <a:p>
             <a:endParaRPr lang="en-AU" sz="2800" dirty="0">
               <a:latin typeface="Al Nile" pitchFamily="2" charset="-78"/>
               <a:cs typeface="Al Nile" pitchFamily="2" charset="-78"/>
             </a:endParaRPr>
-          </a:p>
-          <a:p>
-            <a:r>
-              <a:rPr lang="en-AU" sz="2800" dirty="0">
-                <a:latin typeface="Al Nile" pitchFamily="2" charset="-78"/>
-                <a:cs typeface="Al Nile" pitchFamily="2" charset="-78"/>
-              </a:rPr>
-              <a:t>Based on structure of data frames,</a:t>
-            </a:r>
-          </a:p>
-          <a:p>
-            <a:r>
-              <a:rPr lang="en-AU" sz="2800" dirty="0">
-                <a:latin typeface="Al Nile" pitchFamily="2" charset="-78"/>
-                <a:cs typeface="Al Nile" pitchFamily="2" charset="-78"/>
-              </a:rPr>
-              <a:t>PostgreSQL was our database of </a:t>
-            </a:r>
-          </a:p>
-          <a:p>
-            <a:r>
-              <a:rPr lang="en-AU" sz="2800" dirty="0">
-                <a:latin typeface="Al Nile" pitchFamily="2" charset="-78"/>
-                <a:cs typeface="Al Nile" pitchFamily="2" charset="-78"/>
-              </a:rPr>
-              <a:t>choice.</a:t>
-            </a:r>
           </a:p>
           <a:p>
             <a:endParaRPr lang="en-US" sz="2800" dirty="0">
@@ -6433,45 +6645,62 @@
       </p:sp>
       <p:pic>
         <p:nvPicPr>
-          <p:cNvPr id="7" name="Picture 6" descr="Logo&#10;&#10;Description automatically generated">
-            <a:extLst>
-              <a:ext uri="{FF2B5EF4-FFF2-40B4-BE49-F238E27FC236}">
-                <a16:creationId xmlns:a16="http://schemas.microsoft.com/office/drawing/2014/main" id="{AB0D07E4-4E0E-CC4F-BB8C-203A09253513}"/>
+          <p:cNvPr id="12" name="Picture 6" descr="PostgreSQL Reviews: 500+ User Reviews and Ratings in 2021 | G2">
+            <a:extLst>
+              <a:ext uri="{FF2B5EF4-FFF2-40B4-BE49-F238E27FC236}">
+                <a16:creationId xmlns:a16="http://schemas.microsoft.com/office/drawing/2014/main" id="{15D760F8-3110-694F-BEDF-D580CB477561}"/>
               </a:ext>
             </a:extLst>
           </p:cNvPr>
           <p:cNvPicPr>
-            <a:picLocks noChangeAspect="1"/>
+            <a:picLocks noChangeAspect="1" noChangeArrowheads="1"/>
           </p:cNvPicPr>
           <p:nvPr/>
         </p:nvPicPr>
         <p:blipFill>
-          <a:blip r:embed="rId3"/>
+          <a:blip r:embed="rId3">
+            <a:extLst>
+              <a:ext uri="{28A0092B-C50C-407E-A947-70E740481C1C}">
+                <a14:useLocalDpi xmlns:a14="http://schemas.microsoft.com/office/drawing/2010/main" val="0"/>
+              </a:ext>
+            </a:extLst>
+          </a:blip>
+          <a:srcRect/>
           <a:stretch>
             <a:fillRect/>
           </a:stretch>
         </p:blipFill>
-        <p:spPr>
+        <p:spPr bwMode="auto">
           <a:xfrm>
-            <a:off x="889028" y="4631641"/>
-            <a:ext cx="2473942" cy="1124519"/>
+            <a:off x="819150" y="3695813"/>
+            <a:ext cx="3029857" cy="1590675"/>
           </a:xfrm>
           <a:prstGeom prst="rect">
             <a:avLst/>
           </a:prstGeom>
+          <a:noFill/>
           <a:effectLst>
-            <a:glow rad="735934">
+            <a:glow rad="775830">
               <a:schemeClr val="tx1">
-                <a:alpha val="86950"/>
+                <a:alpha val="73000"/>
               </a:schemeClr>
             </a:glow>
           </a:effectLst>
+          <a:extLst>
+            <a:ext uri="{909E8E84-426E-40DD-AFC4-6F175D3DCCD1}">
+              <a14:hiddenFill xmlns:a14="http://schemas.microsoft.com/office/drawing/2010/main">
+                <a:solidFill>
+                  <a:srgbClr val="FFFFFF"/>
+                </a:solidFill>
+              </a14:hiddenFill>
+            </a:ext>
+          </a:extLst>
         </p:spPr>
       </p:pic>
     </p:spTree>
     <p:extLst>
       <p:ext uri="{BB962C8B-B14F-4D97-AF65-F5344CB8AC3E}">
-        <p14:creationId xmlns:p14="http://schemas.microsoft.com/office/powerpoint/2010/main" val="1076376635"/>
+        <p14:creationId xmlns:p14="http://schemas.microsoft.com/office/powerpoint/2010/main" val="802668472"/>
       </p:ext>
     </p:extLst>
   </p:cSld>
@@ -6508,10 +6737,10 @@
       </p:grpSpPr>
       <p:pic>
         <p:nvPicPr>
-          <p:cNvPr id="7174" name="Picture 6" descr="Crowds to return to Melbourne stadiums in time for AFL games, A-League  grand final - ABC News">
-            <a:extLst>
-              <a:ext uri="{FF2B5EF4-FFF2-40B4-BE49-F238E27FC236}">
-                <a16:creationId xmlns:a16="http://schemas.microsoft.com/office/drawing/2014/main" id="{349DD147-EFDB-D544-B290-DA35F5F86D9A}"/>
+          <p:cNvPr id="5122" name="Picture 2" descr="AFL 2021 crowds, tickets: AFL faces host of challenges to complete season |  Herald Sun">
+            <a:extLst>
+              <a:ext uri="{FF2B5EF4-FFF2-40B4-BE49-F238E27FC236}">
+                <a16:creationId xmlns:a16="http://schemas.microsoft.com/office/drawing/2014/main" id="{A0DB2895-763C-AA4A-B799-67D20591C7B4}"/>
               </a:ext>
             </a:extLst>
           </p:cNvPr>
@@ -6536,7 +6765,7 @@
         <p:spPr bwMode="auto">
           <a:xfrm>
             <a:off x="0" y="0"/>
-            <a:ext cx="12189705" cy="6858477"/>
+            <a:ext cx="12192000" cy="6858000"/>
           </a:xfrm>
           <a:prstGeom prst="rect">
             <a:avLst/>
@@ -6875,7 +7104,7 @@
               <a:rPr lang="en-AU" dirty="0">
                 <a:latin typeface="Britannic Bold" panose="020B0903060703020204" pitchFamily="34" charset="77"/>
               </a:rPr>
-              <a:t>Databasing</a:t>
+              <a:t>Coding Approach</a:t>
             </a:r>
             <a:endParaRPr lang="en-US" dirty="0">
               <a:latin typeface="Britannic Bold" panose="020B0903060703020204" pitchFamily="34" charset="77"/>
@@ -6899,8 +7128,8 @@
         </p:nvSpPr>
         <p:spPr>
           <a:xfrm>
-            <a:off x="141043" y="1421691"/>
-            <a:ext cx="6234303" cy="2190555"/>
+            <a:off x="141043" y="1376443"/>
+            <a:ext cx="6234303" cy="2388733"/>
           </a:xfrm>
           <a:prstGeom prst="rect">
             <a:avLst/>
@@ -6935,7 +7164,7 @@
                 <a:latin typeface="Al Nile" pitchFamily="2" charset="-78"/>
                 <a:cs typeface="Al Nile" pitchFamily="2" charset="-78"/>
               </a:rPr>
-              <a:t>We created out table schemas via Quick</a:t>
+              <a:t>Using Jupyter Notebook and pandas, </a:t>
             </a:r>
           </a:p>
           <a:p>
@@ -6944,9 +7173,12 @@
                 <a:latin typeface="Al Nile" pitchFamily="2" charset="-78"/>
                 <a:cs typeface="Al Nile" pitchFamily="2" charset="-78"/>
               </a:rPr>
-              <a:t>DBD and created our PostgreSQL relational database.</a:t>
-            </a:r>
-            <a:endParaRPr lang="en-AU" sz="2800" dirty="0"/>
+              <a:t>we cleaned and transformed the data according to our needs</a:t>
+            </a:r>
+            <a:r>
+              <a:rPr lang="en-AU" sz="2800" dirty="0"/>
+              <a:t>.</a:t>
+            </a:r>
           </a:p>
           <a:p>
             <a:endParaRPr lang="en-AU" sz="2800" dirty="0">
@@ -7018,62 +7250,45 @@
       </p:sp>
       <p:pic>
         <p:nvPicPr>
-          <p:cNvPr id="12" name="Picture 6" descr="PostgreSQL Reviews: 500+ User Reviews and Ratings in 2021 | G2">
-            <a:extLst>
-              <a:ext uri="{FF2B5EF4-FFF2-40B4-BE49-F238E27FC236}">
-                <a16:creationId xmlns:a16="http://schemas.microsoft.com/office/drawing/2014/main" id="{15D760F8-3110-694F-BEDF-D580CB477561}"/>
+          <p:cNvPr id="7" name="Picture 6" descr="Logo&#10;&#10;Description automatically generated">
+            <a:extLst>
+              <a:ext uri="{FF2B5EF4-FFF2-40B4-BE49-F238E27FC236}">
+                <a16:creationId xmlns:a16="http://schemas.microsoft.com/office/drawing/2014/main" id="{AB0D07E4-4E0E-CC4F-BB8C-203A09253513}"/>
               </a:ext>
             </a:extLst>
           </p:cNvPr>
           <p:cNvPicPr>
-            <a:picLocks noChangeAspect="1" noChangeArrowheads="1"/>
+            <a:picLocks noChangeAspect="1"/>
           </p:cNvPicPr>
           <p:nvPr/>
         </p:nvPicPr>
         <p:blipFill>
-          <a:blip r:embed="rId3">
-            <a:extLst>
-              <a:ext uri="{28A0092B-C50C-407E-A947-70E740481C1C}">
-                <a14:useLocalDpi xmlns:a14="http://schemas.microsoft.com/office/drawing/2010/main" val="0"/>
-              </a:ext>
-            </a:extLst>
-          </a:blip>
-          <a:srcRect/>
+          <a:blip r:embed="rId3"/>
           <a:stretch>
             <a:fillRect/>
           </a:stretch>
         </p:blipFill>
-        <p:spPr bwMode="auto">
+        <p:spPr>
           <a:xfrm>
-            <a:off x="819150" y="3695813"/>
-            <a:ext cx="3029857" cy="1590675"/>
+            <a:off x="889028" y="4631641"/>
+            <a:ext cx="2473942" cy="1124519"/>
           </a:xfrm>
           <a:prstGeom prst="rect">
             <a:avLst/>
           </a:prstGeom>
-          <a:noFill/>
           <a:effectLst>
-            <a:glow rad="775830">
+            <a:glow rad="735934">
               <a:schemeClr val="tx1">
-                <a:alpha val="73000"/>
+                <a:alpha val="86950"/>
               </a:schemeClr>
             </a:glow>
           </a:effectLst>
-          <a:extLst>
-            <a:ext uri="{909E8E84-426E-40DD-AFC4-6F175D3DCCD1}">
-              <a14:hiddenFill xmlns:a14="http://schemas.microsoft.com/office/drawing/2010/main">
-                <a:solidFill>
-                  <a:srgbClr val="FFFFFF"/>
-                </a:solidFill>
-              </a14:hiddenFill>
-            </a:ext>
-          </a:extLst>
         </p:spPr>
       </p:pic>
     </p:spTree>
     <p:extLst>
       <p:ext uri="{BB962C8B-B14F-4D97-AF65-F5344CB8AC3E}">
-        <p14:creationId xmlns:p14="http://schemas.microsoft.com/office/powerpoint/2010/main" val="802668472"/>
+        <p14:creationId xmlns:p14="http://schemas.microsoft.com/office/powerpoint/2010/main" val="1076376635"/>
       </p:ext>
     </p:extLst>
   </p:cSld>
@@ -7537,7 +7752,21 @@
                 <a:latin typeface="Al Nile" pitchFamily="2" charset="-78"/>
                 <a:cs typeface="Al Nile" pitchFamily="2" charset="-78"/>
               </a:rPr>
-              <a:t>We used JavaScript libraries (D3 and AnyChart) to draw insightful AFL team performance visualisations.</a:t>
+              <a:t>We used JavaScript libraries (D3, </a:t>
+            </a:r>
+            <a:r>
+              <a:rPr lang="en-AU" sz="2800" dirty="0" err="1">
+                <a:latin typeface="Al Nile" pitchFamily="2" charset="-78"/>
+                <a:cs typeface="Al Nile" pitchFamily="2" charset="-78"/>
+              </a:rPr>
+              <a:t>Plotly</a:t>
+            </a:r>
+            <a:r>
+              <a:rPr lang="en-AU" sz="2800" dirty="0">
+                <a:latin typeface="Al Nile" pitchFamily="2" charset="-78"/>
+                <a:cs typeface="Al Nile" pitchFamily="2" charset="-78"/>
+              </a:rPr>
+              <a:t> and AnyChart) to draw insightful AFL team performance visualisations.</a:t>
             </a:r>
             <a:endParaRPr lang="en-AU" sz="2800" dirty="0"/>
           </a:p>
@@ -8451,22 +8680,54 @@
         </p:spPr>
         <p:txBody>
           <a:bodyPr vert="horz" lIns="91440" tIns="45720" rIns="91440" bIns="45720" rtlCol="0" anchor="ctr">
-            <a:normAutofit fontScale="90000"/>
+            <a:normAutofit/>
           </a:bodyPr>
           <a:lstStyle/>
           <a:p>
             <a:pPr algn="ctr"/>
             <a:r>
-              <a:rPr lang="en-AU" sz="2800" b="1" dirty="0">
+              <a:rPr lang="en-US" sz="2600" kern="1200">
                 <a:solidFill>
-                  <a:schemeClr val="bg1"/>
+                  <a:srgbClr val="FFFFFF"/>
                 </a:solidFill>
+                <a:latin typeface="+mj-lt"/>
+                <a:ea typeface="+mj-ea"/>
+                <a:cs typeface="+mj-cs"/>
               </a:rPr>
-              <a:t>Detailed Comparison of Team Performance</a:t>
-            </a:r>
-          </a:p>
-        </p:txBody>
-      </p:sp>
+              <a:t>Diverged Stacked Bar Chart</a:t>
+            </a:r>
+          </a:p>
+        </p:txBody>
+      </p:sp>
+      <p:pic>
+        <p:nvPicPr>
+          <p:cNvPr id="3" name="Picture 2" descr="Chart, bar chart&#10;&#10;Description automatically generated">
+            <a:extLst>
+              <a:ext uri="{FF2B5EF4-FFF2-40B4-BE49-F238E27FC236}">
+                <a16:creationId xmlns:a16="http://schemas.microsoft.com/office/drawing/2014/main" id="{8B65B444-7502-F84C-B31A-80B82AD6C3E4}"/>
+              </a:ext>
+            </a:extLst>
+          </p:cNvPr>
+          <p:cNvPicPr>
+            <a:picLocks noChangeAspect="1"/>
+          </p:cNvPicPr>
+          <p:nvPr/>
+        </p:nvPicPr>
+        <p:blipFill rotWithShape="1">
+          <a:blip r:embed="rId2"/>
+          <a:srcRect t="1" b="1393"/>
+          <a:stretch/>
+        </p:blipFill>
+        <p:spPr>
+          <a:xfrm>
+            <a:off x="3786695" y="798054"/>
+            <a:ext cx="7765225" cy="5398209"/>
+          </a:xfrm>
+          <a:prstGeom prst="rect">
+            <a:avLst/>
+          </a:prstGeom>
+        </p:spPr>
+      </p:pic>
       <p:sp>
         <p:nvSpPr>
           <p:cNvPr id="20" name="Title 1">
@@ -8521,284 +8782,10 @@
           </a:p>
         </p:txBody>
       </p:sp>
-      <p:pic>
-        <p:nvPicPr>
-          <p:cNvPr id="6" name="Picture 5">
-            <a:extLst>
-              <a:ext uri="{FF2B5EF4-FFF2-40B4-BE49-F238E27FC236}">
-                <a16:creationId xmlns:a16="http://schemas.microsoft.com/office/drawing/2014/main" id="{A47B970B-696F-4923-817B-1FBE5D04A2B9}"/>
-              </a:ext>
-            </a:extLst>
-          </p:cNvPr>
-          <p:cNvPicPr>
-            <a:picLocks noChangeAspect="1"/>
-          </p:cNvPicPr>
-          <p:nvPr/>
-        </p:nvPicPr>
-        <p:blipFill rotWithShape="1">
-          <a:blip r:embed="rId2"/>
-          <a:srcRect r="28273"/>
-          <a:stretch/>
-        </p:blipFill>
-        <p:spPr>
-          <a:xfrm>
-            <a:off x="4032514" y="295836"/>
-            <a:ext cx="7406451" cy="2383477"/>
-          </a:xfrm>
-          <a:prstGeom prst="rect">
-            <a:avLst/>
-          </a:prstGeom>
-        </p:spPr>
-      </p:pic>
-      <p:sp>
-        <p:nvSpPr>
-          <p:cNvPr id="2" name="TextBox 1">
-            <a:extLst>
-              <a:ext uri="{FF2B5EF4-FFF2-40B4-BE49-F238E27FC236}">
-                <a16:creationId xmlns:a16="http://schemas.microsoft.com/office/drawing/2014/main" id="{3DBA11F4-3552-4640-A94C-F7E0DA799684}"/>
-              </a:ext>
-            </a:extLst>
-          </p:cNvPr>
-          <p:cNvSpPr txBox="1"/>
-          <p:nvPr/>
-        </p:nvSpPr>
-        <p:spPr>
-          <a:xfrm>
-            <a:off x="3786695" y="2971800"/>
-            <a:ext cx="8405305" cy="3970318"/>
-          </a:xfrm>
-          <a:prstGeom prst="rect">
-            <a:avLst/>
-          </a:prstGeom>
-          <a:noFill/>
-        </p:spPr>
-        <p:txBody>
-          <a:bodyPr wrap="square" rtlCol="0">
-            <a:spAutoFit/>
-          </a:bodyPr>
-          <a:lstStyle/>
-          <a:p>
-            <a:r>
-              <a:rPr lang="en-GB" sz="1800" b="1" i="0" dirty="0">
-                <a:solidFill>
-                  <a:srgbClr val="3D3D3D"/>
-                </a:solidFill>
-                <a:effectLst/>
-                <a:latin typeface="Roboto Condensed" panose="020B0604020202020204" pitchFamily="2" charset="0"/>
-              </a:rPr>
-              <a:t>Behind:</a:t>
-            </a:r>
-            <a:r>
-              <a:rPr lang="en-GB" sz="1800" b="0" i="0" dirty="0">
-                <a:solidFill>
-                  <a:srgbClr val="3D3D3D"/>
-                </a:solidFill>
-                <a:effectLst/>
-                <a:latin typeface="Roboto Condensed" panose="020B0604020202020204" pitchFamily="2" charset="0"/>
-              </a:rPr>
-              <a:t> A minor score, as judged by the goal umpire. Behinds are worth one point to a team’s total score.</a:t>
-            </a:r>
-          </a:p>
-          <a:p>
-            <a:r>
-              <a:rPr lang="en-GB" sz="1800" b="1" i="0" dirty="0">
-                <a:solidFill>
-                  <a:srgbClr val="3D3D3D"/>
-                </a:solidFill>
-                <a:effectLst/>
-                <a:latin typeface="Roboto Condensed" panose="02000000000000000000" pitchFamily="2" charset="0"/>
-              </a:rPr>
-              <a:t>Disposal:</a:t>
-            </a:r>
-            <a:r>
-              <a:rPr lang="en-GB" sz="1800" b="0" i="0" dirty="0">
-                <a:solidFill>
-                  <a:srgbClr val="3D3D3D"/>
-                </a:solidFill>
-                <a:effectLst/>
-                <a:latin typeface="Roboto Condensed" panose="02000000000000000000" pitchFamily="2" charset="0"/>
-              </a:rPr>
-              <a:t> Legally getting rid of the ball, via a handball or kick.</a:t>
-            </a:r>
-            <a:endParaRPr lang="en-GB" sz="1800" dirty="0">
-              <a:solidFill>
-                <a:srgbClr val="3D3D3D"/>
-              </a:solidFill>
-              <a:latin typeface="Roboto Condensed" panose="020B0604020202020204" pitchFamily="2" charset="0"/>
-            </a:endParaRPr>
-          </a:p>
-          <a:p>
-            <a:r>
-              <a:rPr lang="en-GB" sz="1800" b="1" i="0" dirty="0">
-                <a:solidFill>
-                  <a:srgbClr val="3D3D3D"/>
-                </a:solidFill>
-                <a:effectLst/>
-                <a:latin typeface="Roboto Condensed" panose="02000000000000000000" pitchFamily="2" charset="0"/>
-              </a:rPr>
-              <a:t>Goal:</a:t>
-            </a:r>
-            <a:r>
-              <a:rPr lang="en-GB" sz="1800" b="0" i="0" dirty="0">
-                <a:solidFill>
-                  <a:srgbClr val="3D3D3D"/>
-                </a:solidFill>
-                <a:effectLst/>
-                <a:latin typeface="Roboto Condensed" panose="02000000000000000000" pitchFamily="2" charset="0"/>
-              </a:rPr>
-              <a:t> A major score, as judged by the goal umpire. Worth six points to a team’s total score</a:t>
-            </a:r>
-            <a:r>
-              <a:rPr lang="en-GB" sz="1800" dirty="0">
-                <a:solidFill>
-                  <a:srgbClr val="3D3D3D"/>
-                </a:solidFill>
-                <a:latin typeface="Roboto Condensed" panose="020B0604020202020204" pitchFamily="2" charset="0"/>
-              </a:rPr>
-              <a:t>. </a:t>
-            </a:r>
-          </a:p>
-          <a:p>
-            <a:r>
-              <a:rPr lang="en-GB" sz="1800" b="1" i="0" dirty="0" err="1">
-                <a:solidFill>
-                  <a:srgbClr val="3D3D3D"/>
-                </a:solidFill>
-                <a:effectLst/>
-                <a:latin typeface="Roboto Condensed" panose="02000000000000000000" pitchFamily="2" charset="0"/>
-              </a:rPr>
-              <a:t>Hitout</a:t>
-            </a:r>
-            <a:r>
-              <a:rPr lang="en-GB" sz="1800" b="1" i="0" dirty="0">
-                <a:solidFill>
-                  <a:srgbClr val="3D3D3D"/>
-                </a:solidFill>
-                <a:effectLst/>
-                <a:latin typeface="Roboto Condensed" panose="02000000000000000000" pitchFamily="2" charset="0"/>
-              </a:rPr>
-              <a:t>:</a:t>
-            </a:r>
-            <a:r>
-              <a:rPr lang="en-GB" sz="1800" b="0" i="0" dirty="0">
-                <a:solidFill>
-                  <a:srgbClr val="3D3D3D"/>
-                </a:solidFill>
-                <a:effectLst/>
-                <a:latin typeface="Roboto Condensed" panose="02000000000000000000" pitchFamily="2" charset="0"/>
-              </a:rPr>
-              <a:t> Knocking the ball out of a ruck contest following a stoppage with clear control, regardless of which side wins the following contest at ground level.</a:t>
-            </a:r>
-          </a:p>
-          <a:p>
-            <a:r>
-              <a:rPr lang="en-GB" sz="1800" b="1" i="0" dirty="0">
-                <a:solidFill>
-                  <a:srgbClr val="3D3D3D"/>
-                </a:solidFill>
-                <a:effectLst/>
-                <a:latin typeface="Roboto Condensed" panose="02000000000000000000" pitchFamily="2" charset="0"/>
-              </a:rPr>
-              <a:t>Kick:</a:t>
-            </a:r>
-            <a:r>
-              <a:rPr lang="en-GB" sz="1800" b="0" i="0" dirty="0">
-                <a:solidFill>
-                  <a:srgbClr val="3D3D3D"/>
-                </a:solidFill>
-                <a:effectLst/>
-                <a:latin typeface="Roboto Condensed" panose="02000000000000000000" pitchFamily="2" charset="0"/>
-              </a:rPr>
-              <a:t> Disposing of the ball by foot. Including kicks off the ground.</a:t>
-            </a:r>
-          </a:p>
-          <a:p>
-            <a:r>
-              <a:rPr lang="en-GB" sz="1800" b="1" i="0" dirty="0">
-                <a:solidFill>
-                  <a:srgbClr val="3D3D3D"/>
-                </a:solidFill>
-                <a:effectLst/>
-                <a:latin typeface="Roboto Condensed" panose="02000000000000000000" pitchFamily="2" charset="0"/>
-              </a:rPr>
-              <a:t>Handball:</a:t>
-            </a:r>
-            <a:r>
-              <a:rPr lang="en-GB" sz="1800" b="0" i="0" dirty="0">
-                <a:solidFill>
-                  <a:srgbClr val="3D3D3D"/>
-                </a:solidFill>
-                <a:effectLst/>
-                <a:latin typeface="Roboto Condensed" panose="02000000000000000000" pitchFamily="2" charset="0"/>
-              </a:rPr>
-              <a:t> Disposing of the ball by hand.</a:t>
-            </a:r>
-          </a:p>
-          <a:p>
-            <a:r>
-              <a:rPr lang="en-GB" sz="1800" b="1" i="0" dirty="0">
-                <a:solidFill>
-                  <a:srgbClr val="3D3D3D"/>
-                </a:solidFill>
-                <a:effectLst/>
-                <a:latin typeface="Roboto Condensed" panose="02000000000000000000" pitchFamily="2" charset="0"/>
-              </a:rPr>
-              <a:t>Mark:</a:t>
-            </a:r>
-            <a:r>
-              <a:rPr lang="en-GB" sz="1800" b="0" i="0" dirty="0">
-                <a:solidFill>
-                  <a:srgbClr val="3D3D3D"/>
-                </a:solidFill>
-                <a:effectLst/>
-                <a:latin typeface="Roboto Condensed" panose="02000000000000000000" pitchFamily="2" charset="0"/>
-              </a:rPr>
-              <a:t> When a player catches (is deemed to have controlled the ball for sufficient time) a kicked ball that has travelled more than 15 metres without anyone else touching it or the ball hitting the ground.</a:t>
-            </a:r>
-            <a:endParaRPr lang="en-GB" sz="1800" dirty="0">
-              <a:solidFill>
-                <a:srgbClr val="3D3D3D"/>
-              </a:solidFill>
-              <a:latin typeface="Roboto Condensed" panose="02000000000000000000" pitchFamily="2" charset="0"/>
-            </a:endParaRPr>
-          </a:p>
-          <a:p>
-            <a:r>
-              <a:rPr lang="en-GB" sz="1800" b="1" i="0" dirty="0">
-                <a:solidFill>
-                  <a:srgbClr val="3D3D3D"/>
-                </a:solidFill>
-                <a:effectLst/>
-                <a:latin typeface="Roboto Condensed" panose="02000000000000000000" pitchFamily="2" charset="0"/>
-              </a:rPr>
-              <a:t>Tackle:</a:t>
-            </a:r>
-            <a:r>
-              <a:rPr lang="en-GB" sz="1800" b="0" i="0" dirty="0">
-                <a:solidFill>
-                  <a:srgbClr val="3D3D3D"/>
-                </a:solidFill>
-                <a:effectLst/>
-                <a:latin typeface="Roboto Condensed" panose="02000000000000000000" pitchFamily="2" charset="0"/>
-              </a:rPr>
-              <a:t> Using physical contact to prevent an opponent in possession of the ball from getting an effective disposal.</a:t>
-            </a:r>
-            <a:endParaRPr lang="en-GB" sz="1800" dirty="0">
-              <a:solidFill>
-                <a:srgbClr val="3D3D3D"/>
-              </a:solidFill>
-              <a:latin typeface="Roboto Condensed" panose="02000000000000000000" pitchFamily="2" charset="0"/>
-            </a:endParaRPr>
-          </a:p>
-          <a:p>
-            <a:endParaRPr lang="en-US" dirty="0"/>
-          </a:p>
-        </p:txBody>
-      </p:sp>
     </p:spTree>
     <p:extLst>
       <p:ext uri="{BB962C8B-B14F-4D97-AF65-F5344CB8AC3E}">
-        <p14:creationId xmlns:p14="http://schemas.microsoft.com/office/powerpoint/2010/main" val="4090405124"/>
+        <p14:creationId xmlns:p14="http://schemas.microsoft.com/office/powerpoint/2010/main" val="3686280655"/>
       </p:ext>
     </p:extLst>
   </p:cSld>
